--- a/senario/Kubernetes  Senario.pptx
+++ b/senario/Kubernetes  Senario.pptx
@@ -23,23 +23,34 @@
     <p:sldId id="268" r:id="rId18"/>
     <p:sldId id="269" r:id="rId19"/>
     <p:sldId id="270" r:id="rId20"/>
+    <p:sldId id="271" r:id="rId21"/>
+    <p:sldId id="272" r:id="rId22"/>
+    <p:sldId id="273" r:id="rId23"/>
+    <p:sldId id="274" r:id="rId24"/>
   </p:sldIdLst>
   <p:sldSz cy="5143500" cx="9144000"/>
   <p:notesSz cx="6858000" cy="9144000"/>
   <p:embeddedFontLst>
     <p:embeddedFont>
       <p:font typeface="Raleway"/>
-      <p:regular r:id="rId21"/>
-      <p:bold r:id="rId22"/>
-      <p:italic r:id="rId23"/>
-      <p:boldItalic r:id="rId24"/>
-    </p:embeddedFont>
-    <p:embeddedFont>
-      <p:font typeface="Lato"/>
       <p:regular r:id="rId25"/>
       <p:bold r:id="rId26"/>
       <p:italic r:id="rId27"/>
       <p:boldItalic r:id="rId28"/>
+    </p:embeddedFont>
+    <p:embeddedFont>
+      <p:font typeface="Lato"/>
+      <p:regular r:id="rId29"/>
+      <p:bold r:id="rId30"/>
+      <p:italic r:id="rId31"/>
+      <p:boldItalic r:id="rId32"/>
+    </p:embeddedFont>
+    <p:embeddedFont>
+      <p:font typeface="Montserrat"/>
+      <p:regular r:id="rId33"/>
+      <p:bold r:id="rId34"/>
+      <p:italic r:id="rId35"/>
+      <p:boldItalic r:id="rId36"/>
     </p:embeddedFont>
   </p:embeddedFontLst>
   <p:defaultTextStyle>
@@ -1365,6 +1376,402 @@
       <p:sp>
         <p:nvSpPr>
           <p:cNvPr id="173" name="Google Shape;173;g6d8e4854b0_0_328:notes"/>
+          <p:cNvSpPr txBox="1"/>
+          <p:nvPr>
+            <p:ph idx="1" type="body"/>
+          </p:nvPr>
+        </p:nvSpPr>
+        <p:spPr>
+          <a:xfrm>
+            <a:off x="685800" y="4343400"/>
+            <a:ext cx="5486400" cy="4114800"/>
+          </a:xfrm>
+          <a:prstGeom prst="rect">
+            <a:avLst/>
+          </a:prstGeom>
+        </p:spPr>
+        <p:txBody>
+          <a:bodyPr anchorCtr="0" anchor="t" bIns="91425" lIns="91425" spcFirstLastPara="1" rIns="91425" wrap="square" tIns="91425">
+            <a:noAutofit/>
+          </a:bodyPr>
+          <a:lstStyle/>
+          <a:p>
+            <a:pPr indent="0" lvl="0" marL="0" rtl="0" algn="l">
+              <a:spcBef>
+                <a:spcPts val="0"/>
+              </a:spcBef>
+              <a:spcAft>
+                <a:spcPts val="0"/>
+              </a:spcAft>
+              <a:buNone/>
+            </a:pPr>
+            <a:r>
+              <a:t/>
+            </a:r>
+            <a:endParaRPr/>
+          </a:p>
+        </p:txBody>
+      </p:sp>
+    </p:spTree>
+  </p:cSld>
+  <p:clrMapOvr>
+    <a:masterClrMapping/>
+  </p:clrMapOvr>
+</p:notes>
+</file>
+
+<file path=ppt/notesSlides/notesSlide16.xml><?xml version="1.0" encoding="utf-8"?>
+<p:notes xmlns:a="http://schemas.openxmlformats.org/drawingml/2006/main" xmlns:r="http://schemas.openxmlformats.org/officeDocument/2006/relationships" xmlns:mc="http://schemas.openxmlformats.org/markup-compatibility/2006" xmlns:mv="urn:schemas-microsoft-com:mac:vml" xmlns:p="http://schemas.openxmlformats.org/presentationml/2006/main" xmlns:c="http://schemas.openxmlformats.org/drawingml/2006/chart" xmlns:dgm="http://schemas.openxmlformats.org/drawingml/2006/diagram" xmlns:o="urn:schemas-microsoft-com:office:office" xmlns:v="urn:schemas-microsoft-com:vml" xmlns:pvml="urn:schemas-microsoft-com:office:powerpoint" xmlns:com="http://schemas.openxmlformats.org/drawingml/2006/compatibility" xmlns:p14="http://schemas.microsoft.com/office/powerpoint/2010/main" xmlns:p15="http://schemas.microsoft.com/office/powerpoint/2012/main" showMasterPhAnim="0" showMasterSp="0">
+  <p:cSld>
+    <p:spTree>
+      <p:nvGrpSpPr>
+        <p:cNvPr id="177" name="Shape 177"/>
+        <p:cNvGrpSpPr/>
+        <p:nvPr/>
+      </p:nvGrpSpPr>
+      <p:grpSpPr>
+        <a:xfrm>
+          <a:off x="0" y="0"/>
+          <a:ext cx="0" cy="0"/>
+          <a:chOff x="0" y="0"/>
+          <a:chExt cx="0" cy="0"/>
+        </a:xfrm>
+      </p:grpSpPr>
+      <p:sp>
+        <p:nvSpPr>
+          <p:cNvPr id="178" name="Google Shape;178;g6d8e4854b0_0_334:notes"/>
+          <p:cNvSpPr/>
+          <p:nvPr>
+            <p:ph idx="2" type="sldImg"/>
+          </p:nvPr>
+        </p:nvSpPr>
+        <p:spPr>
+          <a:xfrm>
+            <a:off x="381300" y="685800"/>
+            <a:ext cx="6096000" cy="3429000"/>
+          </a:xfrm>
+          <a:custGeom>
+            <a:rect b="b" l="l" r="r" t="t"/>
+            <a:pathLst>
+              <a:path extrusionOk="0" h="120000" w="120000">
+                <a:moveTo>
+                  <a:pt x="0" y="0"/>
+                </a:moveTo>
+                <a:lnTo>
+                  <a:pt x="120000" y="0"/>
+                </a:lnTo>
+                <a:lnTo>
+                  <a:pt x="120000" y="120000"/>
+                </a:lnTo>
+                <a:lnTo>
+                  <a:pt x="0" y="120000"/>
+                </a:lnTo>
+                <a:close/>
+              </a:path>
+            </a:pathLst>
+          </a:custGeom>
+        </p:spPr>
+      </p:sp>
+      <p:sp>
+        <p:nvSpPr>
+          <p:cNvPr id="179" name="Google Shape;179;g6d8e4854b0_0_334:notes"/>
+          <p:cNvSpPr txBox="1"/>
+          <p:nvPr>
+            <p:ph idx="1" type="body"/>
+          </p:nvPr>
+        </p:nvSpPr>
+        <p:spPr>
+          <a:xfrm>
+            <a:off x="685800" y="4343400"/>
+            <a:ext cx="5486400" cy="4114800"/>
+          </a:xfrm>
+          <a:prstGeom prst="rect">
+            <a:avLst/>
+          </a:prstGeom>
+        </p:spPr>
+        <p:txBody>
+          <a:bodyPr anchorCtr="0" anchor="t" bIns="91425" lIns="91425" spcFirstLastPara="1" rIns="91425" wrap="square" tIns="91425">
+            <a:noAutofit/>
+          </a:bodyPr>
+          <a:lstStyle/>
+          <a:p>
+            <a:pPr indent="0" lvl="0" marL="0" rtl="0" algn="l">
+              <a:spcBef>
+                <a:spcPts val="0"/>
+              </a:spcBef>
+              <a:spcAft>
+                <a:spcPts val="0"/>
+              </a:spcAft>
+              <a:buNone/>
+            </a:pPr>
+            <a:r>
+              <a:t/>
+            </a:r>
+            <a:endParaRPr/>
+          </a:p>
+        </p:txBody>
+      </p:sp>
+    </p:spTree>
+  </p:cSld>
+  <p:clrMapOvr>
+    <a:masterClrMapping/>
+  </p:clrMapOvr>
+</p:notes>
+</file>
+
+<file path=ppt/notesSlides/notesSlide17.xml><?xml version="1.0" encoding="utf-8"?>
+<p:notes xmlns:a="http://schemas.openxmlformats.org/drawingml/2006/main" xmlns:r="http://schemas.openxmlformats.org/officeDocument/2006/relationships" xmlns:mc="http://schemas.openxmlformats.org/markup-compatibility/2006" xmlns:mv="urn:schemas-microsoft-com:mac:vml" xmlns:p="http://schemas.openxmlformats.org/presentationml/2006/main" xmlns:c="http://schemas.openxmlformats.org/drawingml/2006/chart" xmlns:dgm="http://schemas.openxmlformats.org/drawingml/2006/diagram" xmlns:o="urn:schemas-microsoft-com:office:office" xmlns:v="urn:schemas-microsoft-com:vml" xmlns:pvml="urn:schemas-microsoft-com:office:powerpoint" xmlns:com="http://schemas.openxmlformats.org/drawingml/2006/compatibility" xmlns:p14="http://schemas.microsoft.com/office/powerpoint/2010/main" xmlns:p15="http://schemas.microsoft.com/office/powerpoint/2012/main" showMasterPhAnim="0" showMasterSp="0">
+  <p:cSld>
+    <p:spTree>
+      <p:nvGrpSpPr>
+        <p:cNvPr id="183" name="Shape 183"/>
+        <p:cNvGrpSpPr/>
+        <p:nvPr/>
+      </p:nvGrpSpPr>
+      <p:grpSpPr>
+        <a:xfrm>
+          <a:off x="0" y="0"/>
+          <a:ext cx="0" cy="0"/>
+          <a:chOff x="0" y="0"/>
+          <a:chExt cx="0" cy="0"/>
+        </a:xfrm>
+      </p:grpSpPr>
+      <p:sp>
+        <p:nvSpPr>
+          <p:cNvPr id="184" name="Google Shape;184;g6d8e4854b0_0_340:notes"/>
+          <p:cNvSpPr/>
+          <p:nvPr>
+            <p:ph idx="2" type="sldImg"/>
+          </p:nvPr>
+        </p:nvSpPr>
+        <p:spPr>
+          <a:xfrm>
+            <a:off x="381300" y="685800"/>
+            <a:ext cx="6096000" cy="3429000"/>
+          </a:xfrm>
+          <a:custGeom>
+            <a:rect b="b" l="l" r="r" t="t"/>
+            <a:pathLst>
+              <a:path extrusionOk="0" h="120000" w="120000">
+                <a:moveTo>
+                  <a:pt x="0" y="0"/>
+                </a:moveTo>
+                <a:lnTo>
+                  <a:pt x="120000" y="0"/>
+                </a:lnTo>
+                <a:lnTo>
+                  <a:pt x="120000" y="120000"/>
+                </a:lnTo>
+                <a:lnTo>
+                  <a:pt x="0" y="120000"/>
+                </a:lnTo>
+                <a:close/>
+              </a:path>
+            </a:pathLst>
+          </a:custGeom>
+        </p:spPr>
+      </p:sp>
+      <p:sp>
+        <p:nvSpPr>
+          <p:cNvPr id="185" name="Google Shape;185;g6d8e4854b0_0_340:notes"/>
+          <p:cNvSpPr txBox="1"/>
+          <p:nvPr>
+            <p:ph idx="1" type="body"/>
+          </p:nvPr>
+        </p:nvSpPr>
+        <p:spPr>
+          <a:xfrm>
+            <a:off x="685800" y="4343400"/>
+            <a:ext cx="5486400" cy="4114800"/>
+          </a:xfrm>
+          <a:prstGeom prst="rect">
+            <a:avLst/>
+          </a:prstGeom>
+        </p:spPr>
+        <p:txBody>
+          <a:bodyPr anchorCtr="0" anchor="t" bIns="91425" lIns="91425" spcFirstLastPara="1" rIns="91425" wrap="square" tIns="91425">
+            <a:noAutofit/>
+          </a:bodyPr>
+          <a:lstStyle/>
+          <a:p>
+            <a:pPr indent="0" lvl="0" marL="0" rtl="0" algn="l">
+              <a:spcBef>
+                <a:spcPts val="0"/>
+              </a:spcBef>
+              <a:spcAft>
+                <a:spcPts val="0"/>
+              </a:spcAft>
+              <a:buNone/>
+            </a:pPr>
+            <a:r>
+              <a:t/>
+            </a:r>
+            <a:endParaRPr/>
+          </a:p>
+        </p:txBody>
+      </p:sp>
+    </p:spTree>
+  </p:cSld>
+  <p:clrMapOvr>
+    <a:masterClrMapping/>
+  </p:clrMapOvr>
+</p:notes>
+</file>
+
+<file path=ppt/notesSlides/notesSlide18.xml><?xml version="1.0" encoding="utf-8"?>
+<p:notes xmlns:a="http://schemas.openxmlformats.org/drawingml/2006/main" xmlns:r="http://schemas.openxmlformats.org/officeDocument/2006/relationships" xmlns:mc="http://schemas.openxmlformats.org/markup-compatibility/2006" xmlns:mv="urn:schemas-microsoft-com:mac:vml" xmlns:p="http://schemas.openxmlformats.org/presentationml/2006/main" xmlns:c="http://schemas.openxmlformats.org/drawingml/2006/chart" xmlns:dgm="http://schemas.openxmlformats.org/drawingml/2006/diagram" xmlns:o="urn:schemas-microsoft-com:office:office" xmlns:v="urn:schemas-microsoft-com:vml" xmlns:pvml="urn:schemas-microsoft-com:office:powerpoint" xmlns:com="http://schemas.openxmlformats.org/drawingml/2006/compatibility" xmlns:p14="http://schemas.microsoft.com/office/powerpoint/2010/main" xmlns:p15="http://schemas.microsoft.com/office/powerpoint/2012/main" showMasterPhAnim="0" showMasterSp="0">
+  <p:cSld>
+    <p:spTree>
+      <p:nvGrpSpPr>
+        <p:cNvPr id="191" name="Shape 191"/>
+        <p:cNvGrpSpPr/>
+        <p:nvPr/>
+      </p:nvGrpSpPr>
+      <p:grpSpPr>
+        <a:xfrm>
+          <a:off x="0" y="0"/>
+          <a:ext cx="0" cy="0"/>
+          <a:chOff x="0" y="0"/>
+          <a:chExt cx="0" cy="0"/>
+        </a:xfrm>
+      </p:grpSpPr>
+      <p:sp>
+        <p:nvSpPr>
+          <p:cNvPr id="192" name="Google Shape;192;g6d8e4854b0_0_349:notes"/>
+          <p:cNvSpPr/>
+          <p:nvPr>
+            <p:ph idx="2" type="sldImg"/>
+          </p:nvPr>
+        </p:nvSpPr>
+        <p:spPr>
+          <a:xfrm>
+            <a:off x="381300" y="685800"/>
+            <a:ext cx="6096000" cy="3429000"/>
+          </a:xfrm>
+          <a:custGeom>
+            <a:rect b="b" l="l" r="r" t="t"/>
+            <a:pathLst>
+              <a:path extrusionOk="0" h="120000" w="120000">
+                <a:moveTo>
+                  <a:pt x="0" y="0"/>
+                </a:moveTo>
+                <a:lnTo>
+                  <a:pt x="120000" y="0"/>
+                </a:lnTo>
+                <a:lnTo>
+                  <a:pt x="120000" y="120000"/>
+                </a:lnTo>
+                <a:lnTo>
+                  <a:pt x="0" y="120000"/>
+                </a:lnTo>
+                <a:close/>
+              </a:path>
+            </a:pathLst>
+          </a:custGeom>
+        </p:spPr>
+      </p:sp>
+      <p:sp>
+        <p:nvSpPr>
+          <p:cNvPr id="193" name="Google Shape;193;g6d8e4854b0_0_349:notes"/>
+          <p:cNvSpPr txBox="1"/>
+          <p:nvPr>
+            <p:ph idx="1" type="body"/>
+          </p:nvPr>
+        </p:nvSpPr>
+        <p:spPr>
+          <a:xfrm>
+            <a:off x="685800" y="4343400"/>
+            <a:ext cx="5486400" cy="4114800"/>
+          </a:xfrm>
+          <a:prstGeom prst="rect">
+            <a:avLst/>
+          </a:prstGeom>
+        </p:spPr>
+        <p:txBody>
+          <a:bodyPr anchorCtr="0" anchor="t" bIns="91425" lIns="91425" spcFirstLastPara="1" rIns="91425" wrap="square" tIns="91425">
+            <a:noAutofit/>
+          </a:bodyPr>
+          <a:lstStyle/>
+          <a:p>
+            <a:pPr indent="0" lvl="0" marL="0" rtl="0" algn="l">
+              <a:spcBef>
+                <a:spcPts val="0"/>
+              </a:spcBef>
+              <a:spcAft>
+                <a:spcPts val="0"/>
+              </a:spcAft>
+              <a:buNone/>
+            </a:pPr>
+            <a:r>
+              <a:t/>
+            </a:r>
+            <a:endParaRPr/>
+          </a:p>
+        </p:txBody>
+      </p:sp>
+    </p:spTree>
+  </p:cSld>
+  <p:clrMapOvr>
+    <a:masterClrMapping/>
+  </p:clrMapOvr>
+</p:notes>
+</file>
+
+<file path=ppt/notesSlides/notesSlide19.xml><?xml version="1.0" encoding="utf-8"?>
+<p:notes xmlns:a="http://schemas.openxmlformats.org/drawingml/2006/main" xmlns:r="http://schemas.openxmlformats.org/officeDocument/2006/relationships" xmlns:mc="http://schemas.openxmlformats.org/markup-compatibility/2006" xmlns:mv="urn:schemas-microsoft-com:mac:vml" xmlns:p="http://schemas.openxmlformats.org/presentationml/2006/main" xmlns:c="http://schemas.openxmlformats.org/drawingml/2006/chart" xmlns:dgm="http://schemas.openxmlformats.org/drawingml/2006/diagram" xmlns:o="urn:schemas-microsoft-com:office:office" xmlns:v="urn:schemas-microsoft-com:vml" xmlns:pvml="urn:schemas-microsoft-com:office:powerpoint" xmlns:com="http://schemas.openxmlformats.org/drawingml/2006/compatibility" xmlns:p14="http://schemas.microsoft.com/office/powerpoint/2010/main" xmlns:p15="http://schemas.microsoft.com/office/powerpoint/2012/main" showMasterPhAnim="0" showMasterSp="0">
+  <p:cSld>
+    <p:spTree>
+      <p:nvGrpSpPr>
+        <p:cNvPr id="198" name="Shape 198"/>
+        <p:cNvGrpSpPr/>
+        <p:nvPr/>
+      </p:nvGrpSpPr>
+      <p:grpSpPr>
+        <a:xfrm>
+          <a:off x="0" y="0"/>
+          <a:ext cx="0" cy="0"/>
+          <a:chOff x="0" y="0"/>
+          <a:chExt cx="0" cy="0"/>
+        </a:xfrm>
+      </p:grpSpPr>
+      <p:sp>
+        <p:nvSpPr>
+          <p:cNvPr id="199" name="Google Shape;199;g6d8e4854b0_0_357:notes"/>
+          <p:cNvSpPr/>
+          <p:nvPr>
+            <p:ph idx="2" type="sldImg"/>
+          </p:nvPr>
+        </p:nvSpPr>
+        <p:spPr>
+          <a:xfrm>
+            <a:off x="381300" y="685800"/>
+            <a:ext cx="6096000" cy="3429000"/>
+          </a:xfrm>
+          <a:custGeom>
+            <a:rect b="b" l="l" r="r" t="t"/>
+            <a:pathLst>
+              <a:path extrusionOk="0" h="120000" w="120000">
+                <a:moveTo>
+                  <a:pt x="0" y="0"/>
+                </a:moveTo>
+                <a:lnTo>
+                  <a:pt x="120000" y="0"/>
+                </a:lnTo>
+                <a:lnTo>
+                  <a:pt x="120000" y="120000"/>
+                </a:lnTo>
+                <a:lnTo>
+                  <a:pt x="0" y="120000"/>
+                </a:lnTo>
+                <a:close/>
+              </a:path>
+            </a:pathLst>
+          </a:custGeom>
+        </p:spPr>
+      </p:sp>
+      <p:sp>
+        <p:nvSpPr>
+          <p:cNvPr id="200" name="Google Shape;200;g6d8e4854b0_0_357:notes"/>
           <p:cNvSpPr txBox="1"/>
           <p:nvPr>
             <p:ph idx="1" type="body"/>
@@ -10571,6 +10978,1471 @@
 </p:sld>
 </file>
 
+<file path=ppt/slides/slide16.xml><?xml version="1.0" encoding="utf-8"?>
+<p:sld xmlns:a="http://schemas.openxmlformats.org/drawingml/2006/main" xmlns:r="http://schemas.openxmlformats.org/officeDocument/2006/relationships" xmlns:mc="http://schemas.openxmlformats.org/markup-compatibility/2006" xmlns:mv="urn:schemas-microsoft-com:mac:vml" xmlns:p="http://schemas.openxmlformats.org/presentationml/2006/main" xmlns:c="http://schemas.openxmlformats.org/drawingml/2006/chart" xmlns:dgm="http://schemas.openxmlformats.org/drawingml/2006/diagram" xmlns:o="urn:schemas-microsoft-com:office:office" xmlns:v="urn:schemas-microsoft-com:vml" xmlns:pvml="urn:schemas-microsoft-com:office:powerpoint" xmlns:com="http://schemas.openxmlformats.org/drawingml/2006/compatibility" xmlns:p14="http://schemas.microsoft.com/office/powerpoint/2010/main" xmlns:p15="http://schemas.microsoft.com/office/powerpoint/2012/main">
+  <p:cSld>
+    <p:spTree>
+      <p:nvGrpSpPr>
+        <p:cNvPr id="180" name="Shape 180"/>
+        <p:cNvGrpSpPr/>
+        <p:nvPr/>
+      </p:nvGrpSpPr>
+      <p:grpSpPr>
+        <a:xfrm>
+          <a:off x="0" y="0"/>
+          <a:ext cx="0" cy="0"/>
+          <a:chOff x="0" y="0"/>
+          <a:chExt cx="0" cy="0"/>
+        </a:xfrm>
+      </p:grpSpPr>
+      <p:sp>
+        <p:nvSpPr>
+          <p:cNvPr id="181" name="Google Shape;181;p28"/>
+          <p:cNvSpPr txBox="1"/>
+          <p:nvPr>
+            <p:ph type="title"/>
+          </p:nvPr>
+        </p:nvSpPr>
+        <p:spPr>
+          <a:xfrm>
+            <a:off x="729450" y="1318650"/>
+            <a:ext cx="7688700" cy="535200"/>
+          </a:xfrm>
+          <a:prstGeom prst="rect">
+            <a:avLst/>
+          </a:prstGeom>
+        </p:spPr>
+        <p:txBody>
+          <a:bodyPr anchorCtr="0" anchor="t" bIns="91425" lIns="91425" spcFirstLastPara="1" rIns="91425" wrap="square" tIns="91425">
+            <a:noAutofit/>
+          </a:bodyPr>
+          <a:lstStyle/>
+          <a:p>
+            <a:pPr indent="0" lvl="0" marL="0" rtl="0" algn="l">
+              <a:spcBef>
+                <a:spcPts val="0"/>
+              </a:spcBef>
+              <a:spcAft>
+                <a:spcPts val="0"/>
+              </a:spcAft>
+              <a:buNone/>
+            </a:pPr>
+            <a:r>
+              <a:rPr lang="en"/>
+              <a:t>Senario-4</a:t>
+            </a:r>
+            <a:endParaRPr/>
+          </a:p>
+        </p:txBody>
+      </p:sp>
+      <p:sp>
+        <p:nvSpPr>
+          <p:cNvPr id="182" name="Google Shape;182;p28"/>
+          <p:cNvSpPr txBox="1"/>
+          <p:nvPr>
+            <p:ph idx="1" type="body"/>
+          </p:nvPr>
+        </p:nvSpPr>
+        <p:spPr>
+          <a:xfrm>
+            <a:off x="729450" y="2078875"/>
+            <a:ext cx="7688700" cy="2261100"/>
+          </a:xfrm>
+          <a:prstGeom prst="rect">
+            <a:avLst/>
+          </a:prstGeom>
+        </p:spPr>
+        <p:txBody>
+          <a:bodyPr anchorCtr="0" anchor="t" bIns="91425" lIns="91425" spcFirstLastPara="1" rIns="91425" wrap="square" tIns="91425">
+            <a:noAutofit/>
+          </a:bodyPr>
+          <a:lstStyle/>
+          <a:p>
+            <a:pPr indent="0" lvl="0" marL="0" rtl="0" algn="l">
+              <a:lnSpc>
+                <a:spcPct val="120000"/>
+              </a:lnSpc>
+              <a:spcBef>
+                <a:spcPts val="0"/>
+              </a:spcBef>
+              <a:spcAft>
+                <a:spcPts val="0"/>
+              </a:spcAft>
+              <a:buNone/>
+            </a:pPr>
+            <a:r>
+              <a:rPr b="1" lang="en" sz="2300">
+                <a:solidFill>
+                  <a:srgbClr val="001021"/>
+                </a:solidFill>
+                <a:highlight>
+                  <a:srgbClr val="FFFFFF"/>
+                </a:highlight>
+                <a:latin typeface="Montserrat"/>
+                <a:ea typeface="Montserrat"/>
+                <a:cs typeface="Montserrat"/>
+                <a:sym typeface="Montserrat"/>
+              </a:rPr>
+              <a:t>Multi-container pods and container communication in Kubernetes</a:t>
+            </a:r>
+            <a:endParaRPr b="1" sz="2300">
+              <a:solidFill>
+                <a:srgbClr val="001021"/>
+              </a:solidFill>
+              <a:highlight>
+                <a:srgbClr val="FFFFFF"/>
+              </a:highlight>
+              <a:latin typeface="Montserrat"/>
+              <a:ea typeface="Montserrat"/>
+              <a:cs typeface="Montserrat"/>
+              <a:sym typeface="Montserrat"/>
+            </a:endParaRPr>
+          </a:p>
+          <a:p>
+            <a:pPr indent="0" lvl="0" marL="0" rtl="0" algn="l">
+              <a:spcBef>
+                <a:spcPts val="1200"/>
+              </a:spcBef>
+              <a:spcAft>
+                <a:spcPts val="0"/>
+              </a:spcAft>
+              <a:buNone/>
+            </a:pPr>
+            <a:r>
+              <a:t/>
+            </a:r>
+            <a:endParaRPr sz="1100">
+              <a:solidFill>
+                <a:srgbClr val="000000"/>
+              </a:solidFill>
+              <a:latin typeface="Arial"/>
+              <a:ea typeface="Arial"/>
+              <a:cs typeface="Arial"/>
+              <a:sym typeface="Arial"/>
+            </a:endParaRPr>
+          </a:p>
+          <a:p>
+            <a:pPr indent="0" lvl="0" marL="0" rtl="0" algn="l">
+              <a:spcBef>
+                <a:spcPts val="0"/>
+              </a:spcBef>
+              <a:spcAft>
+                <a:spcPts val="1600"/>
+              </a:spcAft>
+              <a:buNone/>
+            </a:pPr>
+            <a:r>
+              <a:t/>
+            </a:r>
+            <a:endParaRPr/>
+          </a:p>
+        </p:txBody>
+      </p:sp>
+    </p:spTree>
+  </p:cSld>
+  <p:clrMapOvr>
+    <a:masterClrMapping/>
+  </p:clrMapOvr>
+</p:sld>
+</file>
+
+<file path=ppt/slides/slide17.xml><?xml version="1.0" encoding="utf-8"?>
+<p:sld xmlns:a="http://schemas.openxmlformats.org/drawingml/2006/main" xmlns:r="http://schemas.openxmlformats.org/officeDocument/2006/relationships" xmlns:mc="http://schemas.openxmlformats.org/markup-compatibility/2006" xmlns:mv="urn:schemas-microsoft-com:mac:vml" xmlns:p="http://schemas.openxmlformats.org/presentationml/2006/main" xmlns:c="http://schemas.openxmlformats.org/drawingml/2006/chart" xmlns:dgm="http://schemas.openxmlformats.org/drawingml/2006/diagram" xmlns:o="urn:schemas-microsoft-com:office:office" xmlns:v="urn:schemas-microsoft-com:vml" xmlns:pvml="urn:schemas-microsoft-com:office:powerpoint" xmlns:com="http://schemas.openxmlformats.org/drawingml/2006/compatibility" xmlns:p14="http://schemas.microsoft.com/office/powerpoint/2010/main" xmlns:p15="http://schemas.microsoft.com/office/powerpoint/2012/main">
+  <p:cSld>
+    <p:spTree>
+      <p:nvGrpSpPr>
+        <p:cNvPr id="186" name="Shape 186"/>
+        <p:cNvGrpSpPr/>
+        <p:nvPr/>
+      </p:nvGrpSpPr>
+      <p:grpSpPr>
+        <a:xfrm>
+          <a:off x="0" y="0"/>
+          <a:ext cx="0" cy="0"/>
+          <a:chOff x="0" y="0"/>
+          <a:chExt cx="0" cy="0"/>
+        </a:xfrm>
+      </p:grpSpPr>
+      <p:sp>
+        <p:nvSpPr>
+          <p:cNvPr id="187" name="Google Shape;187;p29"/>
+          <p:cNvSpPr txBox="1"/>
+          <p:nvPr>
+            <p:ph type="title"/>
+          </p:nvPr>
+        </p:nvSpPr>
+        <p:spPr>
+          <a:xfrm>
+            <a:off x="729450" y="1318650"/>
+            <a:ext cx="7688700" cy="535200"/>
+          </a:xfrm>
+          <a:prstGeom prst="rect">
+            <a:avLst/>
+          </a:prstGeom>
+        </p:spPr>
+        <p:txBody>
+          <a:bodyPr anchorCtr="0" anchor="t" bIns="91425" lIns="91425" spcFirstLastPara="1" rIns="91425" wrap="square" tIns="91425">
+            <a:noAutofit/>
+          </a:bodyPr>
+          <a:lstStyle/>
+          <a:p>
+            <a:pPr indent="0" lvl="0" marL="0" rtl="0" algn="l">
+              <a:spcBef>
+                <a:spcPts val="0"/>
+              </a:spcBef>
+              <a:spcAft>
+                <a:spcPts val="0"/>
+              </a:spcAft>
+              <a:buNone/>
+            </a:pPr>
+            <a:r>
+              <a:t/>
+            </a:r>
+            <a:endParaRPr/>
+          </a:p>
+        </p:txBody>
+      </p:sp>
+      <p:sp>
+        <p:nvSpPr>
+          <p:cNvPr id="188" name="Google Shape;188;p29"/>
+          <p:cNvSpPr txBox="1"/>
+          <p:nvPr>
+            <p:ph idx="1" type="body"/>
+          </p:nvPr>
+        </p:nvSpPr>
+        <p:spPr>
+          <a:xfrm>
+            <a:off x="383675" y="4163150"/>
+            <a:ext cx="7688700" cy="2261100"/>
+          </a:xfrm>
+          <a:prstGeom prst="rect">
+            <a:avLst/>
+          </a:prstGeom>
+        </p:spPr>
+        <p:txBody>
+          <a:bodyPr anchorCtr="0" anchor="t" bIns="91425" lIns="91425" spcFirstLastPara="1" rIns="91425" wrap="square" tIns="91425">
+            <a:noAutofit/>
+          </a:bodyPr>
+          <a:lstStyle/>
+          <a:p>
+            <a:pPr indent="0" lvl="0" marL="292100" marR="292100" rtl="0" algn="l">
+              <a:spcBef>
+                <a:spcPts val="0"/>
+              </a:spcBef>
+              <a:spcAft>
+                <a:spcPts val="0"/>
+              </a:spcAft>
+              <a:buNone/>
+            </a:pPr>
+            <a:r>
+              <a:rPr lang="en" sz="1200">
+                <a:solidFill>
+                  <a:srgbClr val="FFFFFF"/>
+                </a:solidFill>
+                <a:highlight>
+                  <a:srgbClr val="333333"/>
+                </a:highlight>
+                <a:latin typeface="Consolas"/>
+                <a:ea typeface="Consolas"/>
+                <a:cs typeface="Consolas"/>
+                <a:sym typeface="Consolas"/>
+              </a:rPr>
+              <a:t>kubectl exec mc1 -c 1st -- /bin/cat /usr/share/nginx/html/index.html</a:t>
+            </a:r>
+            <a:endParaRPr sz="1200">
+              <a:solidFill>
+                <a:srgbClr val="FFFFFF"/>
+              </a:solidFill>
+              <a:highlight>
+                <a:srgbClr val="333333"/>
+              </a:highlight>
+              <a:latin typeface="Consolas"/>
+              <a:ea typeface="Consolas"/>
+              <a:cs typeface="Consolas"/>
+              <a:sym typeface="Consolas"/>
+            </a:endParaRPr>
+          </a:p>
+          <a:p>
+            <a:pPr indent="0" lvl="0" marL="292100" marR="292100" rtl="0" algn="l">
+              <a:spcBef>
+                <a:spcPts val="800"/>
+              </a:spcBef>
+              <a:spcAft>
+                <a:spcPts val="0"/>
+              </a:spcAft>
+              <a:buNone/>
+            </a:pPr>
+            <a:r>
+              <a:t/>
+            </a:r>
+            <a:endParaRPr sz="1200">
+              <a:solidFill>
+                <a:srgbClr val="FFFFFF"/>
+              </a:solidFill>
+              <a:highlight>
+                <a:srgbClr val="333333"/>
+              </a:highlight>
+              <a:latin typeface="Consolas"/>
+              <a:ea typeface="Consolas"/>
+              <a:cs typeface="Consolas"/>
+              <a:sym typeface="Consolas"/>
+            </a:endParaRPr>
+          </a:p>
+          <a:p>
+            <a:pPr indent="0" lvl="0" marL="292100" marR="292100" rtl="0" algn="l">
+              <a:spcBef>
+                <a:spcPts val="800"/>
+              </a:spcBef>
+              <a:spcAft>
+                <a:spcPts val="0"/>
+              </a:spcAft>
+              <a:buNone/>
+            </a:pPr>
+            <a:r>
+              <a:rPr lang="en" sz="1200">
+                <a:solidFill>
+                  <a:srgbClr val="FFFFFF"/>
+                </a:solidFill>
+                <a:highlight>
+                  <a:srgbClr val="333333"/>
+                </a:highlight>
+                <a:latin typeface="Consolas"/>
+                <a:ea typeface="Consolas"/>
+                <a:cs typeface="Consolas"/>
+                <a:sym typeface="Consolas"/>
+              </a:rPr>
+              <a:t>kubectl exec mc1 -c 2nd -- /bin/cat /html/index.html</a:t>
+            </a:r>
+            <a:endParaRPr sz="1200">
+              <a:solidFill>
+                <a:srgbClr val="FFFFFF"/>
+              </a:solidFill>
+              <a:highlight>
+                <a:srgbClr val="333333"/>
+              </a:highlight>
+              <a:latin typeface="Consolas"/>
+              <a:ea typeface="Consolas"/>
+              <a:cs typeface="Consolas"/>
+              <a:sym typeface="Consolas"/>
+            </a:endParaRPr>
+          </a:p>
+          <a:p>
+            <a:pPr indent="0" lvl="0" marL="292100" marR="292100" rtl="0" algn="l">
+              <a:spcBef>
+                <a:spcPts val="800"/>
+              </a:spcBef>
+              <a:spcAft>
+                <a:spcPts val="0"/>
+              </a:spcAft>
+              <a:buNone/>
+            </a:pPr>
+            <a:r>
+              <a:t/>
+            </a:r>
+            <a:endParaRPr sz="1200">
+              <a:solidFill>
+                <a:srgbClr val="FFFFFF"/>
+              </a:solidFill>
+              <a:highlight>
+                <a:srgbClr val="333333"/>
+              </a:highlight>
+              <a:latin typeface="Consolas"/>
+              <a:ea typeface="Consolas"/>
+              <a:cs typeface="Consolas"/>
+              <a:sym typeface="Consolas"/>
+            </a:endParaRPr>
+          </a:p>
+          <a:p>
+            <a:pPr indent="0" lvl="0" marL="0" rtl="0" algn="l">
+              <a:spcBef>
+                <a:spcPts val="800"/>
+              </a:spcBef>
+              <a:spcAft>
+                <a:spcPts val="1600"/>
+              </a:spcAft>
+              <a:buNone/>
+            </a:pPr>
+            <a:r>
+              <a:t/>
+            </a:r>
+            <a:endParaRPr/>
+          </a:p>
+        </p:txBody>
+      </p:sp>
+      <p:sp>
+        <p:nvSpPr>
+          <p:cNvPr id="189" name="Google Shape;189;p29"/>
+          <p:cNvSpPr txBox="1"/>
+          <p:nvPr>
+            <p:ph type="title"/>
+          </p:nvPr>
+        </p:nvSpPr>
+        <p:spPr>
+          <a:xfrm>
+            <a:off x="0" y="-45250"/>
+            <a:ext cx="7688700" cy="535200"/>
+          </a:xfrm>
+          <a:prstGeom prst="rect">
+            <a:avLst/>
+          </a:prstGeom>
+        </p:spPr>
+        <p:txBody>
+          <a:bodyPr anchorCtr="0" anchor="t" bIns="91425" lIns="91425" spcFirstLastPara="1" rIns="91425" wrap="square" tIns="91425">
+            <a:noAutofit/>
+          </a:bodyPr>
+          <a:lstStyle/>
+          <a:p>
+            <a:pPr indent="0" lvl="0" marL="0" rtl="0" algn="l">
+              <a:spcBef>
+                <a:spcPts val="0"/>
+              </a:spcBef>
+              <a:spcAft>
+                <a:spcPts val="0"/>
+              </a:spcAft>
+              <a:buNone/>
+            </a:pPr>
+            <a:r>
+              <a:rPr lang="en"/>
+              <a:t>Senario-4</a:t>
+            </a:r>
+            <a:endParaRPr/>
+          </a:p>
+        </p:txBody>
+      </p:sp>
+      <p:pic>
+        <p:nvPicPr>
+          <p:cNvPr id="190" name="Google Shape;190;p29"/>
+          <p:cNvPicPr preferRelativeResize="0"/>
+          <p:nvPr/>
+        </p:nvPicPr>
+        <p:blipFill>
+          <a:blip r:embed="rId3">
+            <a:alphaModFix/>
+          </a:blip>
+          <a:stretch>
+            <a:fillRect/>
+          </a:stretch>
+        </p:blipFill>
+        <p:spPr>
+          <a:xfrm>
+            <a:off x="3660838" y="489950"/>
+            <a:ext cx="5381625" cy="2743200"/>
+          </a:xfrm>
+          <a:prstGeom prst="rect">
+            <a:avLst/>
+          </a:prstGeom>
+          <a:noFill/>
+          <a:ln>
+            <a:noFill/>
+          </a:ln>
+        </p:spPr>
+      </p:pic>
+    </p:spTree>
+  </p:cSld>
+  <p:clrMapOvr>
+    <a:masterClrMapping/>
+  </p:clrMapOvr>
+</p:sld>
+</file>
+
+<file path=ppt/slides/slide18.xml><?xml version="1.0" encoding="utf-8"?>
+<p:sld xmlns:a="http://schemas.openxmlformats.org/drawingml/2006/main" xmlns:r="http://schemas.openxmlformats.org/officeDocument/2006/relationships" xmlns:mc="http://schemas.openxmlformats.org/markup-compatibility/2006" xmlns:mv="urn:schemas-microsoft-com:mac:vml" xmlns:p="http://schemas.openxmlformats.org/presentationml/2006/main" xmlns:c="http://schemas.openxmlformats.org/drawingml/2006/chart" xmlns:dgm="http://schemas.openxmlformats.org/drawingml/2006/diagram" xmlns:o="urn:schemas-microsoft-com:office:office" xmlns:v="urn:schemas-microsoft-com:vml" xmlns:pvml="urn:schemas-microsoft-com:office:powerpoint" xmlns:com="http://schemas.openxmlformats.org/drawingml/2006/compatibility" xmlns:p14="http://schemas.microsoft.com/office/powerpoint/2010/main" xmlns:p15="http://schemas.microsoft.com/office/powerpoint/2012/main">
+  <p:cSld>
+    <p:spTree>
+      <p:nvGrpSpPr>
+        <p:cNvPr id="194" name="Shape 194"/>
+        <p:cNvGrpSpPr/>
+        <p:nvPr/>
+      </p:nvGrpSpPr>
+      <p:grpSpPr>
+        <a:xfrm>
+          <a:off x="0" y="0"/>
+          <a:ext cx="0" cy="0"/>
+          <a:chOff x="0" y="0"/>
+          <a:chExt cx="0" cy="0"/>
+        </a:xfrm>
+      </p:grpSpPr>
+      <p:sp>
+        <p:nvSpPr>
+          <p:cNvPr id="195" name="Google Shape;195;p30"/>
+          <p:cNvSpPr txBox="1"/>
+          <p:nvPr>
+            <p:ph type="title"/>
+          </p:nvPr>
+        </p:nvSpPr>
+        <p:spPr>
+          <a:xfrm>
+            <a:off x="729450" y="1318650"/>
+            <a:ext cx="7688700" cy="535200"/>
+          </a:xfrm>
+          <a:prstGeom prst="rect">
+            <a:avLst/>
+          </a:prstGeom>
+        </p:spPr>
+        <p:txBody>
+          <a:bodyPr anchorCtr="0" anchor="t" bIns="91425" lIns="91425" spcFirstLastPara="1" rIns="91425" wrap="square" tIns="91425">
+            <a:noAutofit/>
+          </a:bodyPr>
+          <a:lstStyle/>
+          <a:p>
+            <a:pPr indent="0" lvl="0" marL="0" rtl="0" algn="l">
+              <a:lnSpc>
+                <a:spcPct val="120000"/>
+              </a:lnSpc>
+              <a:spcBef>
+                <a:spcPts val="0"/>
+              </a:spcBef>
+              <a:spcAft>
+                <a:spcPts val="0"/>
+              </a:spcAft>
+              <a:buNone/>
+            </a:pPr>
+            <a:r>
+              <a:rPr b="0" lang="en" sz="1300">
+                <a:solidFill>
+                  <a:srgbClr val="001021"/>
+                </a:solidFill>
+                <a:highlight>
+                  <a:srgbClr val="FFFFFF"/>
+                </a:highlight>
+                <a:latin typeface="Montserrat"/>
+                <a:ea typeface="Montserrat"/>
+                <a:cs typeface="Montserrat"/>
+                <a:sym typeface="Montserrat"/>
+              </a:rPr>
+              <a:t>Inter-process communications (IPC)</a:t>
+            </a:r>
+            <a:endParaRPr b="0" sz="1300">
+              <a:solidFill>
+                <a:srgbClr val="001021"/>
+              </a:solidFill>
+              <a:highlight>
+                <a:srgbClr val="FFFFFF"/>
+              </a:highlight>
+              <a:latin typeface="Montserrat"/>
+              <a:ea typeface="Montserrat"/>
+              <a:cs typeface="Montserrat"/>
+              <a:sym typeface="Montserrat"/>
+            </a:endParaRPr>
+          </a:p>
+          <a:p>
+            <a:pPr indent="0" lvl="0" marL="0" rtl="0" algn="l">
+              <a:lnSpc>
+                <a:spcPct val="115000"/>
+              </a:lnSpc>
+              <a:spcBef>
+                <a:spcPts val="400"/>
+              </a:spcBef>
+              <a:spcAft>
+                <a:spcPts val="0"/>
+              </a:spcAft>
+              <a:buNone/>
+            </a:pPr>
+            <a:r>
+              <a:t/>
+            </a:r>
+            <a:endParaRPr b="0" sz="1100">
+              <a:solidFill>
+                <a:srgbClr val="000000"/>
+              </a:solidFill>
+              <a:latin typeface="Arial"/>
+              <a:ea typeface="Arial"/>
+              <a:cs typeface="Arial"/>
+              <a:sym typeface="Arial"/>
+            </a:endParaRPr>
+          </a:p>
+          <a:p>
+            <a:pPr indent="0" lvl="0" marL="0" rtl="0" algn="l">
+              <a:spcBef>
+                <a:spcPts val="0"/>
+              </a:spcBef>
+              <a:spcAft>
+                <a:spcPts val="0"/>
+              </a:spcAft>
+              <a:buNone/>
+            </a:pPr>
+            <a:r>
+              <a:t/>
+            </a:r>
+            <a:endParaRPr/>
+          </a:p>
+        </p:txBody>
+      </p:sp>
+      <p:sp>
+        <p:nvSpPr>
+          <p:cNvPr id="196" name="Google Shape;196;p30"/>
+          <p:cNvSpPr txBox="1"/>
+          <p:nvPr>
+            <p:ph idx="1" type="body"/>
+          </p:nvPr>
+        </p:nvSpPr>
+        <p:spPr>
+          <a:xfrm>
+            <a:off x="133925" y="2770450"/>
+            <a:ext cx="7688700" cy="2261100"/>
+          </a:xfrm>
+          <a:prstGeom prst="rect">
+            <a:avLst/>
+          </a:prstGeom>
+        </p:spPr>
+        <p:txBody>
+          <a:bodyPr anchorCtr="0" anchor="t" bIns="91425" lIns="91425" spcFirstLastPara="1" rIns="91425" wrap="square" tIns="91425">
+            <a:noAutofit/>
+          </a:bodyPr>
+          <a:lstStyle/>
+          <a:p>
+            <a:pPr indent="0" lvl="0" marL="0" rtl="0" algn="l">
+              <a:spcBef>
+                <a:spcPts val="0"/>
+              </a:spcBef>
+              <a:spcAft>
+                <a:spcPts val="0"/>
+              </a:spcAft>
+              <a:buNone/>
+            </a:pPr>
+            <a:r>
+              <a:rPr lang="en" sz="1200">
+                <a:solidFill>
+                  <a:srgbClr val="FFFFFF"/>
+                </a:solidFill>
+                <a:highlight>
+                  <a:srgbClr val="333333"/>
+                </a:highlight>
+                <a:latin typeface="Consolas"/>
+                <a:ea typeface="Consolas"/>
+                <a:cs typeface="Consolas"/>
+                <a:sym typeface="Consolas"/>
+              </a:rPr>
+              <a:t>$ kubectl get pods --show-all -w</a:t>
+            </a:r>
+            <a:endParaRPr sz="1200">
+              <a:solidFill>
+                <a:srgbClr val="FFFFFF"/>
+              </a:solidFill>
+              <a:highlight>
+                <a:srgbClr val="333333"/>
+              </a:highlight>
+              <a:latin typeface="Consolas"/>
+              <a:ea typeface="Consolas"/>
+              <a:cs typeface="Consolas"/>
+              <a:sym typeface="Consolas"/>
+            </a:endParaRPr>
+          </a:p>
+          <a:p>
+            <a:pPr indent="0" lvl="0" marL="0" rtl="0" algn="l">
+              <a:spcBef>
+                <a:spcPts val="1600"/>
+              </a:spcBef>
+              <a:spcAft>
+                <a:spcPts val="0"/>
+              </a:spcAft>
+              <a:buNone/>
+            </a:pPr>
+            <a:r>
+              <a:rPr lang="en" sz="1200">
+                <a:solidFill>
+                  <a:srgbClr val="FFFFFF"/>
+                </a:solidFill>
+                <a:highlight>
+                  <a:srgbClr val="333333"/>
+                </a:highlight>
+                <a:latin typeface="Consolas"/>
+                <a:ea typeface="Consolas"/>
+                <a:cs typeface="Consolas"/>
+                <a:sym typeface="Consolas"/>
+              </a:rPr>
+              <a:t>NAME      READY     STATUS              RESTARTS  AGE</a:t>
+            </a:r>
+            <a:endParaRPr sz="1200">
+              <a:solidFill>
+                <a:srgbClr val="FFFFFF"/>
+              </a:solidFill>
+              <a:highlight>
+                <a:srgbClr val="333333"/>
+              </a:highlight>
+              <a:latin typeface="Consolas"/>
+              <a:ea typeface="Consolas"/>
+              <a:cs typeface="Consolas"/>
+              <a:sym typeface="Consolas"/>
+            </a:endParaRPr>
+          </a:p>
+          <a:p>
+            <a:pPr indent="0" lvl="0" marL="0" rtl="0" algn="l">
+              <a:spcBef>
+                <a:spcPts val="1600"/>
+              </a:spcBef>
+              <a:spcAft>
+                <a:spcPts val="0"/>
+              </a:spcAft>
+              <a:buNone/>
+            </a:pPr>
+            <a:r>
+              <a:rPr lang="en" sz="1200">
+                <a:solidFill>
+                  <a:srgbClr val="FFFFFF"/>
+                </a:solidFill>
+                <a:highlight>
+                  <a:srgbClr val="333333"/>
+                </a:highlight>
+                <a:latin typeface="Consolas"/>
+                <a:ea typeface="Consolas"/>
+                <a:cs typeface="Consolas"/>
+                <a:sym typeface="Consolas"/>
+              </a:rPr>
+              <a:t>mc2       0/2       Pending             0         0s</a:t>
+            </a:r>
+            <a:endParaRPr sz="1200">
+              <a:solidFill>
+                <a:srgbClr val="FFFFFF"/>
+              </a:solidFill>
+              <a:highlight>
+                <a:srgbClr val="333333"/>
+              </a:highlight>
+              <a:latin typeface="Consolas"/>
+              <a:ea typeface="Consolas"/>
+              <a:cs typeface="Consolas"/>
+              <a:sym typeface="Consolas"/>
+            </a:endParaRPr>
+          </a:p>
+          <a:p>
+            <a:pPr indent="0" lvl="0" marL="0" rtl="0" algn="l">
+              <a:spcBef>
+                <a:spcPts val="1600"/>
+              </a:spcBef>
+              <a:spcAft>
+                <a:spcPts val="0"/>
+              </a:spcAft>
+              <a:buNone/>
+            </a:pPr>
+            <a:r>
+              <a:rPr lang="en" sz="1200">
+                <a:solidFill>
+                  <a:srgbClr val="FFFFFF"/>
+                </a:solidFill>
+                <a:highlight>
+                  <a:srgbClr val="333333"/>
+                </a:highlight>
+                <a:latin typeface="Consolas"/>
+                <a:ea typeface="Consolas"/>
+                <a:cs typeface="Consolas"/>
+                <a:sym typeface="Consolas"/>
+              </a:rPr>
+              <a:t>mc2       0/2       ContainerCreating   0         0s</a:t>
+            </a:r>
+            <a:endParaRPr sz="1200">
+              <a:solidFill>
+                <a:srgbClr val="FFFFFF"/>
+              </a:solidFill>
+              <a:highlight>
+                <a:srgbClr val="333333"/>
+              </a:highlight>
+              <a:latin typeface="Consolas"/>
+              <a:ea typeface="Consolas"/>
+              <a:cs typeface="Consolas"/>
+              <a:sym typeface="Consolas"/>
+            </a:endParaRPr>
+          </a:p>
+          <a:p>
+            <a:pPr indent="0" lvl="0" marL="0" marR="292100" rtl="0" algn="l">
+              <a:spcBef>
+                <a:spcPts val="1600"/>
+              </a:spcBef>
+              <a:spcAft>
+                <a:spcPts val="0"/>
+              </a:spcAft>
+              <a:buNone/>
+            </a:pPr>
+            <a:r>
+              <a:rPr lang="en" sz="1200">
+                <a:solidFill>
+                  <a:srgbClr val="FFFFFF"/>
+                </a:solidFill>
+                <a:highlight>
+                  <a:srgbClr val="333333"/>
+                </a:highlight>
+                <a:latin typeface="Consolas"/>
+                <a:ea typeface="Consolas"/>
+                <a:cs typeface="Consolas"/>
+                <a:sym typeface="Consolas"/>
+              </a:rPr>
+              <a:t>mc2       0/2       Completed           0         29</a:t>
+            </a:r>
+            <a:endParaRPr sz="1200">
+              <a:solidFill>
+                <a:srgbClr val="FFFFFF"/>
+              </a:solidFill>
+              <a:highlight>
+                <a:srgbClr val="333333"/>
+              </a:highlight>
+              <a:latin typeface="Consolas"/>
+              <a:ea typeface="Consolas"/>
+              <a:cs typeface="Consolas"/>
+              <a:sym typeface="Consolas"/>
+            </a:endParaRPr>
+          </a:p>
+          <a:p>
+            <a:pPr indent="0" lvl="0" marL="0" rtl="0" algn="l">
+              <a:spcBef>
+                <a:spcPts val="800"/>
+              </a:spcBef>
+              <a:spcAft>
+                <a:spcPts val="1600"/>
+              </a:spcAft>
+              <a:buNone/>
+            </a:pPr>
+            <a:r>
+              <a:t/>
+            </a:r>
+            <a:endParaRPr sz="1200">
+              <a:solidFill>
+                <a:srgbClr val="FFFFFF"/>
+              </a:solidFill>
+              <a:highlight>
+                <a:srgbClr val="333333"/>
+              </a:highlight>
+              <a:latin typeface="Consolas"/>
+              <a:ea typeface="Consolas"/>
+              <a:cs typeface="Consolas"/>
+              <a:sym typeface="Consolas"/>
+            </a:endParaRPr>
+          </a:p>
+        </p:txBody>
+      </p:sp>
+      <p:pic>
+        <p:nvPicPr>
+          <p:cNvPr id="197" name="Google Shape;197;p30"/>
+          <p:cNvPicPr preferRelativeResize="0"/>
+          <p:nvPr/>
+        </p:nvPicPr>
+        <p:blipFill>
+          <a:blip r:embed="rId3">
+            <a:alphaModFix/>
+          </a:blip>
+          <a:stretch>
+            <a:fillRect/>
+          </a:stretch>
+        </p:blipFill>
+        <p:spPr>
+          <a:xfrm>
+            <a:off x="4674997" y="495850"/>
+            <a:ext cx="4278325" cy="2180800"/>
+          </a:xfrm>
+          <a:prstGeom prst="rect">
+            <a:avLst/>
+          </a:prstGeom>
+          <a:noFill/>
+          <a:ln>
+            <a:noFill/>
+          </a:ln>
+        </p:spPr>
+      </p:pic>
+    </p:spTree>
+  </p:cSld>
+  <p:clrMapOvr>
+    <a:masterClrMapping/>
+  </p:clrMapOvr>
+</p:sld>
+</file>
+
+<file path=ppt/slides/slide19.xml><?xml version="1.0" encoding="utf-8"?>
+<p:sld xmlns:a="http://schemas.openxmlformats.org/drawingml/2006/main" xmlns:r="http://schemas.openxmlformats.org/officeDocument/2006/relationships" xmlns:mc="http://schemas.openxmlformats.org/markup-compatibility/2006" xmlns:mv="urn:schemas-microsoft-com:mac:vml" xmlns:p="http://schemas.openxmlformats.org/presentationml/2006/main" xmlns:c="http://schemas.openxmlformats.org/drawingml/2006/chart" xmlns:dgm="http://schemas.openxmlformats.org/drawingml/2006/diagram" xmlns:o="urn:schemas-microsoft-com:office:office" xmlns:v="urn:schemas-microsoft-com:vml" xmlns:pvml="urn:schemas-microsoft-com:office:powerpoint" xmlns:com="http://schemas.openxmlformats.org/drawingml/2006/compatibility" xmlns:p14="http://schemas.microsoft.com/office/powerpoint/2010/main" xmlns:p15="http://schemas.microsoft.com/office/powerpoint/2012/main">
+  <p:cSld>
+    <p:spTree>
+      <p:nvGrpSpPr>
+        <p:cNvPr id="201" name="Shape 201"/>
+        <p:cNvGrpSpPr/>
+        <p:nvPr/>
+      </p:nvGrpSpPr>
+      <p:grpSpPr>
+        <a:xfrm>
+          <a:off x="0" y="0"/>
+          <a:ext cx="0" cy="0"/>
+          <a:chOff x="0" y="0"/>
+          <a:chExt cx="0" cy="0"/>
+        </a:xfrm>
+      </p:grpSpPr>
+      <p:sp>
+        <p:nvSpPr>
+          <p:cNvPr id="202" name="Google Shape;202;p31"/>
+          <p:cNvSpPr txBox="1"/>
+          <p:nvPr>
+            <p:ph type="title"/>
+          </p:nvPr>
+        </p:nvSpPr>
+        <p:spPr>
+          <a:xfrm>
+            <a:off x="729450" y="1318650"/>
+            <a:ext cx="7688700" cy="535200"/>
+          </a:xfrm>
+          <a:prstGeom prst="rect">
+            <a:avLst/>
+          </a:prstGeom>
+        </p:spPr>
+        <p:txBody>
+          <a:bodyPr anchorCtr="0" anchor="t" bIns="91425" lIns="91425" spcFirstLastPara="1" rIns="91425" wrap="square" tIns="91425">
+            <a:noAutofit/>
+          </a:bodyPr>
+          <a:lstStyle/>
+          <a:p>
+            <a:pPr indent="0" lvl="0" marL="0" rtl="0" algn="l">
+              <a:lnSpc>
+                <a:spcPct val="120000"/>
+              </a:lnSpc>
+              <a:spcBef>
+                <a:spcPts val="0"/>
+              </a:spcBef>
+              <a:spcAft>
+                <a:spcPts val="0"/>
+              </a:spcAft>
+              <a:buNone/>
+            </a:pPr>
+            <a:r>
+              <a:rPr b="0" lang="en" sz="1300">
+                <a:solidFill>
+                  <a:srgbClr val="001021"/>
+                </a:solidFill>
+                <a:highlight>
+                  <a:srgbClr val="FFFFFF"/>
+                </a:highlight>
+                <a:latin typeface="Montserrat"/>
+                <a:ea typeface="Montserrat"/>
+                <a:cs typeface="Montserrat"/>
+                <a:sym typeface="Montserrat"/>
+              </a:rPr>
+              <a:t>Inter-process communications (IPC)</a:t>
+            </a:r>
+            <a:endParaRPr b="0" sz="1300">
+              <a:solidFill>
+                <a:srgbClr val="001021"/>
+              </a:solidFill>
+              <a:highlight>
+                <a:srgbClr val="FFFFFF"/>
+              </a:highlight>
+              <a:latin typeface="Montserrat"/>
+              <a:ea typeface="Montserrat"/>
+              <a:cs typeface="Montserrat"/>
+              <a:sym typeface="Montserrat"/>
+            </a:endParaRPr>
+          </a:p>
+          <a:p>
+            <a:pPr indent="0" lvl="0" marL="0" rtl="0" algn="l">
+              <a:lnSpc>
+                <a:spcPct val="115000"/>
+              </a:lnSpc>
+              <a:spcBef>
+                <a:spcPts val="400"/>
+              </a:spcBef>
+              <a:spcAft>
+                <a:spcPts val="0"/>
+              </a:spcAft>
+              <a:buNone/>
+            </a:pPr>
+            <a:r>
+              <a:t/>
+            </a:r>
+            <a:endParaRPr b="0" sz="1100">
+              <a:solidFill>
+                <a:srgbClr val="000000"/>
+              </a:solidFill>
+              <a:latin typeface="Arial"/>
+              <a:ea typeface="Arial"/>
+              <a:cs typeface="Arial"/>
+              <a:sym typeface="Arial"/>
+            </a:endParaRPr>
+          </a:p>
+          <a:p>
+            <a:pPr indent="0" lvl="0" marL="0" rtl="0" algn="l">
+              <a:spcBef>
+                <a:spcPts val="0"/>
+              </a:spcBef>
+              <a:spcAft>
+                <a:spcPts val="0"/>
+              </a:spcAft>
+              <a:buNone/>
+            </a:pPr>
+            <a:r>
+              <a:t/>
+            </a:r>
+            <a:endParaRPr/>
+          </a:p>
+        </p:txBody>
+      </p:sp>
+      <p:sp>
+        <p:nvSpPr>
+          <p:cNvPr id="203" name="Google Shape;203;p31"/>
+          <p:cNvSpPr txBox="1"/>
+          <p:nvPr>
+            <p:ph idx="1" type="body"/>
+          </p:nvPr>
+        </p:nvSpPr>
+        <p:spPr>
+          <a:xfrm>
+            <a:off x="729450" y="2078875"/>
+            <a:ext cx="7688700" cy="4947900"/>
+          </a:xfrm>
+          <a:prstGeom prst="rect">
+            <a:avLst/>
+          </a:prstGeom>
+        </p:spPr>
+        <p:txBody>
+          <a:bodyPr anchorCtr="0" anchor="t" bIns="91425" lIns="91425" spcFirstLastPara="1" rIns="91425" wrap="square" tIns="91425">
+            <a:noAutofit/>
+          </a:bodyPr>
+          <a:lstStyle/>
+          <a:p>
+            <a:pPr indent="0" lvl="0" marL="0" rtl="0" algn="l">
+              <a:spcBef>
+                <a:spcPts val="0"/>
+              </a:spcBef>
+              <a:spcAft>
+                <a:spcPts val="0"/>
+              </a:spcAft>
+              <a:buNone/>
+            </a:pPr>
+            <a:r>
+              <a:rPr lang="en" sz="1200">
+                <a:solidFill>
+                  <a:srgbClr val="FFFFFF"/>
+                </a:solidFill>
+                <a:highlight>
+                  <a:srgbClr val="333333"/>
+                </a:highlight>
+                <a:latin typeface="Consolas"/>
+                <a:ea typeface="Consolas"/>
+                <a:cs typeface="Consolas"/>
+                <a:sym typeface="Consolas"/>
+              </a:rPr>
+              <a:t>$ kubectl logs mc2 -c producer</a:t>
+            </a:r>
+            <a:endParaRPr sz="1200">
+              <a:solidFill>
+                <a:srgbClr val="FFFFFF"/>
+              </a:solidFill>
+              <a:highlight>
+                <a:srgbClr val="333333"/>
+              </a:highlight>
+              <a:latin typeface="Consolas"/>
+              <a:ea typeface="Consolas"/>
+              <a:cs typeface="Consolas"/>
+              <a:sym typeface="Consolas"/>
+            </a:endParaRPr>
+          </a:p>
+          <a:p>
+            <a:pPr indent="0" lvl="0" marL="0" rtl="0" algn="l">
+              <a:spcBef>
+                <a:spcPts val="1600"/>
+              </a:spcBef>
+              <a:spcAft>
+                <a:spcPts val="0"/>
+              </a:spcAft>
+              <a:buNone/>
+            </a:pPr>
+            <a:r>
+              <a:rPr lang="en" sz="1200">
+                <a:solidFill>
+                  <a:srgbClr val="FFFFFF"/>
+                </a:solidFill>
+                <a:highlight>
+                  <a:srgbClr val="333333"/>
+                </a:highlight>
+                <a:latin typeface="Consolas"/>
+                <a:ea typeface="Consolas"/>
+                <a:cs typeface="Consolas"/>
+                <a:sym typeface="Consolas"/>
+              </a:rPr>
+              <a:t>Produced: f4</a:t>
+            </a:r>
+            <a:endParaRPr sz="1200">
+              <a:solidFill>
+                <a:srgbClr val="FFFFFF"/>
+              </a:solidFill>
+              <a:highlight>
+                <a:srgbClr val="333333"/>
+              </a:highlight>
+              <a:latin typeface="Consolas"/>
+              <a:ea typeface="Consolas"/>
+              <a:cs typeface="Consolas"/>
+              <a:sym typeface="Consolas"/>
+            </a:endParaRPr>
+          </a:p>
+          <a:p>
+            <a:pPr indent="0" lvl="0" marL="0" rtl="0" algn="l">
+              <a:spcBef>
+                <a:spcPts val="1600"/>
+              </a:spcBef>
+              <a:spcAft>
+                <a:spcPts val="0"/>
+              </a:spcAft>
+              <a:buNone/>
+            </a:pPr>
+            <a:r>
+              <a:rPr lang="en" sz="1200">
+                <a:solidFill>
+                  <a:srgbClr val="FFFFFF"/>
+                </a:solidFill>
+                <a:highlight>
+                  <a:srgbClr val="333333"/>
+                </a:highlight>
+                <a:latin typeface="Consolas"/>
+                <a:ea typeface="Consolas"/>
+                <a:cs typeface="Consolas"/>
+                <a:sym typeface="Consolas"/>
+              </a:rPr>
+              <a:t>Produced: 1d</a:t>
+            </a:r>
+            <a:endParaRPr sz="1200">
+              <a:solidFill>
+                <a:srgbClr val="FFFFFF"/>
+              </a:solidFill>
+              <a:highlight>
+                <a:srgbClr val="333333"/>
+              </a:highlight>
+              <a:latin typeface="Consolas"/>
+              <a:ea typeface="Consolas"/>
+              <a:cs typeface="Consolas"/>
+              <a:sym typeface="Consolas"/>
+            </a:endParaRPr>
+          </a:p>
+          <a:p>
+            <a:pPr indent="0" lvl="0" marL="0" rtl="0" algn="l">
+              <a:spcBef>
+                <a:spcPts val="1600"/>
+              </a:spcBef>
+              <a:spcAft>
+                <a:spcPts val="0"/>
+              </a:spcAft>
+              <a:buNone/>
+            </a:pPr>
+            <a:r>
+              <a:rPr lang="en" sz="1200">
+                <a:solidFill>
+                  <a:srgbClr val="FFFFFF"/>
+                </a:solidFill>
+                <a:highlight>
+                  <a:srgbClr val="333333"/>
+                </a:highlight>
+                <a:latin typeface="Consolas"/>
+                <a:ea typeface="Consolas"/>
+                <a:cs typeface="Consolas"/>
+                <a:sym typeface="Consolas"/>
+              </a:rPr>
+              <a:t>Produced: 9e</a:t>
+            </a:r>
+            <a:endParaRPr sz="1200">
+              <a:solidFill>
+                <a:srgbClr val="FFFFFF"/>
+              </a:solidFill>
+              <a:highlight>
+                <a:srgbClr val="333333"/>
+              </a:highlight>
+              <a:latin typeface="Consolas"/>
+              <a:ea typeface="Consolas"/>
+              <a:cs typeface="Consolas"/>
+              <a:sym typeface="Consolas"/>
+            </a:endParaRPr>
+          </a:p>
+          <a:p>
+            <a:pPr indent="0" lvl="0" marL="0" rtl="0" algn="l">
+              <a:spcBef>
+                <a:spcPts val="1600"/>
+              </a:spcBef>
+              <a:spcAft>
+                <a:spcPts val="0"/>
+              </a:spcAft>
+              <a:buNone/>
+            </a:pPr>
+            <a:r>
+              <a:rPr lang="en" sz="1200">
+                <a:solidFill>
+                  <a:srgbClr val="FFFFFF"/>
+                </a:solidFill>
+                <a:highlight>
+                  <a:srgbClr val="333333"/>
+                </a:highlight>
+                <a:latin typeface="Consolas"/>
+                <a:ea typeface="Consolas"/>
+                <a:cs typeface="Consolas"/>
+                <a:sym typeface="Consolas"/>
+              </a:rPr>
+              <a:t>Produced: 27</a:t>
+            </a:r>
+            <a:endParaRPr sz="1200">
+              <a:solidFill>
+                <a:srgbClr val="FFFFFF"/>
+              </a:solidFill>
+              <a:highlight>
+                <a:srgbClr val="333333"/>
+              </a:highlight>
+              <a:latin typeface="Consolas"/>
+              <a:ea typeface="Consolas"/>
+              <a:cs typeface="Consolas"/>
+              <a:sym typeface="Consolas"/>
+            </a:endParaRPr>
+          </a:p>
+          <a:p>
+            <a:pPr indent="0" lvl="0" marL="0" rtl="0" algn="l">
+              <a:spcBef>
+                <a:spcPts val="1600"/>
+              </a:spcBef>
+              <a:spcAft>
+                <a:spcPts val="0"/>
+              </a:spcAft>
+              <a:buNone/>
+            </a:pPr>
+            <a:r>
+              <a:rPr lang="en" sz="1200">
+                <a:solidFill>
+                  <a:srgbClr val="FFFFFF"/>
+                </a:solidFill>
+                <a:highlight>
+                  <a:srgbClr val="333333"/>
+                </a:highlight>
+                <a:latin typeface="Consolas"/>
+                <a:ea typeface="Consolas"/>
+                <a:cs typeface="Consolas"/>
+                <a:sym typeface="Consolas"/>
+              </a:rPr>
+              <a:t>$ kubectl logs mc2 -c consumer</a:t>
+            </a:r>
+            <a:endParaRPr sz="1200">
+              <a:solidFill>
+                <a:srgbClr val="FFFFFF"/>
+              </a:solidFill>
+              <a:highlight>
+                <a:srgbClr val="333333"/>
+              </a:highlight>
+              <a:latin typeface="Consolas"/>
+              <a:ea typeface="Consolas"/>
+              <a:cs typeface="Consolas"/>
+              <a:sym typeface="Consolas"/>
+            </a:endParaRPr>
+          </a:p>
+          <a:p>
+            <a:pPr indent="0" lvl="0" marL="0" rtl="0" algn="l">
+              <a:spcBef>
+                <a:spcPts val="1600"/>
+              </a:spcBef>
+              <a:spcAft>
+                <a:spcPts val="0"/>
+              </a:spcAft>
+              <a:buNone/>
+            </a:pPr>
+            <a:r>
+              <a:rPr lang="en" sz="1200">
+                <a:solidFill>
+                  <a:srgbClr val="FFFFFF"/>
+                </a:solidFill>
+                <a:highlight>
+                  <a:srgbClr val="333333"/>
+                </a:highlight>
+                <a:latin typeface="Consolas"/>
+                <a:ea typeface="Consolas"/>
+                <a:cs typeface="Consolas"/>
+                <a:sym typeface="Consolas"/>
+              </a:rPr>
+              <a:t>Consumed: f4</a:t>
+            </a:r>
+            <a:endParaRPr sz="1200">
+              <a:solidFill>
+                <a:srgbClr val="FFFFFF"/>
+              </a:solidFill>
+              <a:highlight>
+                <a:srgbClr val="333333"/>
+              </a:highlight>
+              <a:latin typeface="Consolas"/>
+              <a:ea typeface="Consolas"/>
+              <a:cs typeface="Consolas"/>
+              <a:sym typeface="Consolas"/>
+            </a:endParaRPr>
+          </a:p>
+          <a:p>
+            <a:pPr indent="0" lvl="0" marL="0" rtl="0" algn="l">
+              <a:spcBef>
+                <a:spcPts val="1600"/>
+              </a:spcBef>
+              <a:spcAft>
+                <a:spcPts val="0"/>
+              </a:spcAft>
+              <a:buNone/>
+            </a:pPr>
+            <a:r>
+              <a:rPr lang="en" sz="1200">
+                <a:solidFill>
+                  <a:srgbClr val="FFFFFF"/>
+                </a:solidFill>
+                <a:highlight>
+                  <a:srgbClr val="333333"/>
+                </a:highlight>
+                <a:latin typeface="Consolas"/>
+                <a:ea typeface="Consolas"/>
+                <a:cs typeface="Consolas"/>
+                <a:sym typeface="Consolas"/>
+              </a:rPr>
+              <a:t>Consumed: 1d</a:t>
+            </a:r>
+            <a:endParaRPr sz="1200">
+              <a:solidFill>
+                <a:srgbClr val="FFFFFF"/>
+              </a:solidFill>
+              <a:highlight>
+                <a:srgbClr val="333333"/>
+              </a:highlight>
+              <a:latin typeface="Consolas"/>
+              <a:ea typeface="Consolas"/>
+              <a:cs typeface="Consolas"/>
+              <a:sym typeface="Consolas"/>
+            </a:endParaRPr>
+          </a:p>
+          <a:p>
+            <a:pPr indent="0" lvl="0" marL="0" rtl="0" algn="l">
+              <a:spcBef>
+                <a:spcPts val="1600"/>
+              </a:spcBef>
+              <a:spcAft>
+                <a:spcPts val="0"/>
+              </a:spcAft>
+              <a:buNone/>
+            </a:pPr>
+            <a:r>
+              <a:rPr lang="en" sz="1200">
+                <a:solidFill>
+                  <a:srgbClr val="FFFFFF"/>
+                </a:solidFill>
+                <a:highlight>
+                  <a:srgbClr val="333333"/>
+                </a:highlight>
+                <a:latin typeface="Consolas"/>
+                <a:ea typeface="Consolas"/>
+                <a:cs typeface="Consolas"/>
+                <a:sym typeface="Consolas"/>
+              </a:rPr>
+              <a:t>Consumed: 9e</a:t>
+            </a:r>
+            <a:endParaRPr sz="1200">
+              <a:solidFill>
+                <a:srgbClr val="FFFFFF"/>
+              </a:solidFill>
+              <a:highlight>
+                <a:srgbClr val="333333"/>
+              </a:highlight>
+              <a:latin typeface="Consolas"/>
+              <a:ea typeface="Consolas"/>
+              <a:cs typeface="Consolas"/>
+              <a:sym typeface="Consolas"/>
+            </a:endParaRPr>
+          </a:p>
+          <a:p>
+            <a:pPr indent="0" lvl="0" marL="0" rtl="0" algn="l">
+              <a:spcBef>
+                <a:spcPts val="1600"/>
+              </a:spcBef>
+              <a:spcAft>
+                <a:spcPts val="0"/>
+              </a:spcAft>
+              <a:buNone/>
+            </a:pPr>
+            <a:r>
+              <a:rPr lang="en" sz="1200">
+                <a:solidFill>
+                  <a:srgbClr val="FFFFFF"/>
+                </a:solidFill>
+                <a:highlight>
+                  <a:srgbClr val="333333"/>
+                </a:highlight>
+                <a:latin typeface="Consolas"/>
+                <a:ea typeface="Consolas"/>
+                <a:cs typeface="Consolas"/>
+                <a:sym typeface="Consolas"/>
+              </a:rPr>
+              <a:t>Consumed: 27</a:t>
+            </a:r>
+            <a:endParaRPr sz="1200">
+              <a:solidFill>
+                <a:srgbClr val="FFFFFF"/>
+              </a:solidFill>
+              <a:highlight>
+                <a:srgbClr val="333333"/>
+              </a:highlight>
+              <a:latin typeface="Consolas"/>
+              <a:ea typeface="Consolas"/>
+              <a:cs typeface="Consolas"/>
+              <a:sym typeface="Consolas"/>
+            </a:endParaRPr>
+          </a:p>
+          <a:p>
+            <a:pPr indent="0" lvl="0" marL="292100" marR="292100" rtl="0" algn="l">
+              <a:spcBef>
+                <a:spcPts val="1600"/>
+              </a:spcBef>
+              <a:spcAft>
+                <a:spcPts val="0"/>
+              </a:spcAft>
+              <a:buNone/>
+            </a:pPr>
+            <a:r>
+              <a:rPr lang="en" sz="1200">
+                <a:solidFill>
+                  <a:srgbClr val="FFFFFF"/>
+                </a:solidFill>
+                <a:highlight>
+                  <a:srgbClr val="333333"/>
+                </a:highlight>
+                <a:latin typeface="Consolas"/>
+                <a:ea typeface="Consolas"/>
+                <a:cs typeface="Consolas"/>
+                <a:sym typeface="Consolas"/>
+              </a:rPr>
+              <a:t>Consumed: done</a:t>
+            </a:r>
+            <a:endParaRPr sz="1200">
+              <a:solidFill>
+                <a:srgbClr val="FFFFFF"/>
+              </a:solidFill>
+              <a:highlight>
+                <a:srgbClr val="333333"/>
+              </a:highlight>
+              <a:latin typeface="Consolas"/>
+              <a:ea typeface="Consolas"/>
+              <a:cs typeface="Consolas"/>
+              <a:sym typeface="Consolas"/>
+            </a:endParaRPr>
+          </a:p>
+          <a:p>
+            <a:pPr indent="0" lvl="0" marL="0" rtl="0" algn="l">
+              <a:spcBef>
+                <a:spcPts val="800"/>
+              </a:spcBef>
+              <a:spcAft>
+                <a:spcPts val="1600"/>
+              </a:spcAft>
+              <a:buNone/>
+            </a:pPr>
+            <a:r>
+              <a:t/>
+            </a:r>
+            <a:endParaRPr sz="1200">
+              <a:solidFill>
+                <a:srgbClr val="FFFFFF"/>
+              </a:solidFill>
+              <a:highlight>
+                <a:srgbClr val="333333"/>
+              </a:highlight>
+              <a:latin typeface="Consolas"/>
+              <a:ea typeface="Consolas"/>
+              <a:cs typeface="Consolas"/>
+              <a:sym typeface="Consolas"/>
+            </a:endParaRPr>
+          </a:p>
+        </p:txBody>
+      </p:sp>
+    </p:spTree>
+  </p:cSld>
+  <p:clrMapOvr>
+    <a:masterClrMapping/>
+  </p:clrMapOvr>
+</p:sld>
+</file>
+
 <file path=ppt/slides/slide2.xml><?xml version="1.0" encoding="utf-8"?>
 <p:sld xmlns:a="http://schemas.openxmlformats.org/drawingml/2006/main" xmlns:r="http://schemas.openxmlformats.org/officeDocument/2006/relationships" xmlns:mc="http://schemas.openxmlformats.org/markup-compatibility/2006" xmlns:mv="urn:schemas-microsoft-com:mac:vml" xmlns:p="http://schemas.openxmlformats.org/presentationml/2006/main" xmlns:c="http://schemas.openxmlformats.org/drawingml/2006/chart" xmlns:dgm="http://schemas.openxmlformats.org/drawingml/2006/diagram" xmlns:o="urn:schemas-microsoft-com:office:office" xmlns:v="urn:schemas-microsoft-com:vml" xmlns:pvml="urn:schemas-microsoft-com:office:powerpoint" xmlns:com="http://schemas.openxmlformats.org/drawingml/2006/compatibility" xmlns:p14="http://schemas.microsoft.com/office/powerpoint/2010/main" xmlns:p15="http://schemas.microsoft.com/office/powerpoint/2012/main">
   <p:cSld>
